--- a/01. Java SE/Slides/03. Language elements.pptx
+++ b/01. Java SE/Slides/03. Language elements.pptx
@@ -238,7 +238,7 @@
           <a:p>
             <a:fld id="{59041DB8-B66F-4DC8-A96E-33677E0F90FF}" type="datetimeFigureOut">
               <a:rPr lang="en-US" smtClean="0"/>
-              <a:t>3/6/2015</a:t>
+              <a:t>3/8/2015</a:t>
             </a:fld>
             <a:endParaRPr lang="en-US"/>
           </a:p>
@@ -403,7 +403,7 @@
           <a:p>
             <a:fld id="{DEB49C4A-65AC-492D-9701-81B46C3AD0E4}" type="datetimeFigureOut">
               <a:rPr lang="en-US" smtClean="0"/>
-              <a:t>3/6/2015</a:t>
+              <a:t>3/8/2015</a:t>
             </a:fld>
             <a:endParaRPr lang="en-US"/>
           </a:p>
@@ -4925,7 +4925,7 @@
           <a:p>
             <a:fld id="{384A29A4-78C8-47AB-BA06-22CB45938951}" type="datetime1">
               <a:rPr lang="en-US" smtClean="0"/>
-              <a:t>3/6/2015</a:t>
+              <a:t>3/8/2015</a:t>
             </a:fld>
             <a:endParaRPr lang="en-US"/>
           </a:p>
@@ -5120,7 +5120,7 @@
           <a:p>
             <a:fld id="{E1ED4ACF-2D82-46F2-A8E9-23963AA34E86}" type="datetime1">
               <a:rPr lang="en-US" smtClean="0"/>
-              <a:t>3/6/2015</a:t>
+              <a:t>3/8/2015</a:t>
             </a:fld>
             <a:endParaRPr lang="en-US"/>
           </a:p>
@@ -5313,7 +5313,7 @@
           <a:p>
             <a:fld id="{AE374B5B-21A0-4192-BF4C-38187F1A68D8}" type="datetime1">
               <a:rPr lang="en-US" smtClean="0"/>
-              <a:t>3/6/2015</a:t>
+              <a:t>3/8/2015</a:t>
             </a:fld>
             <a:endParaRPr lang="en-US"/>
           </a:p>
@@ -5504,7 +5504,7 @@
           <a:p>
             <a:fld id="{AE374B5B-21A0-4192-BF4C-38187F1A68D8}" type="datetime1">
               <a:rPr lang="en-US" smtClean="0"/>
-              <a:t>3/6/2015</a:t>
+              <a:t>3/8/2015</a:t>
             </a:fld>
             <a:endParaRPr lang="en-US"/>
           </a:p>
@@ -7802,7 +7802,7 @@
           <a:p>
             <a:fld id="{33B5CF7C-B333-48E1-A4A6-83A3C8B73AC0}" type="datetime1">
               <a:rPr lang="en-US" smtClean="0"/>
-              <a:t>3/6/2015</a:t>
+              <a:t>3/8/2015</a:t>
             </a:fld>
             <a:endParaRPr lang="en-US"/>
           </a:p>
@@ -8257,7 +8257,7 @@
           <a:p>
             <a:fld id="{AE320762-5CBF-4210-AB54-376B091119F8}" type="datetime1">
               <a:rPr lang="en-US" smtClean="0"/>
-              <a:t>3/6/2015</a:t>
+              <a:t>3/8/2015</a:t>
             </a:fld>
             <a:endParaRPr lang="en-US"/>
           </a:p>
@@ -8390,7 +8390,7 @@
           <a:p>
             <a:fld id="{7F0DB371-BF5F-4058-A212-1A908E4D2674}" type="datetime1">
               <a:rPr lang="en-US" smtClean="0"/>
-              <a:t>3/6/2015</a:t>
+              <a:t>3/8/2015</a:t>
             </a:fld>
             <a:endParaRPr lang="en-US"/>
           </a:p>
@@ -10323,7 +10323,7 @@
           <a:p>
             <a:fld id="{60A4083B-90AA-48CF-BAD5-00AA24D7F288}" type="datetime1">
               <a:rPr lang="en-US" smtClean="0"/>
-              <a:t>3/6/2015</a:t>
+              <a:t>3/8/2015</a:t>
             </a:fld>
             <a:endParaRPr lang="en-US"/>
           </a:p>
@@ -14578,7 +14578,7 @@
           <a:p>
             <a:fld id="{B51B2453-8663-4C69-AF73-9FD7B1DEC5D0}" type="datetime1">
               <a:rPr lang="en-US" smtClean="0"/>
-              <a:t>3/6/2015</a:t>
+              <a:t>3/8/2015</a:t>
             </a:fld>
             <a:endParaRPr lang="en-US"/>
           </a:p>
@@ -17925,17 +17925,6 @@
               <a:rPr lang="en-US" dirty="0" smtClean="0"/>
               <a:t>Weather</a:t>
             </a:r>
-            <a:br>
-              <a:rPr lang="en-US" dirty="0" smtClean="0"/>
-            </a:br>
-            <a:r>
-              <a:rPr lang="en-US" sz="1800" dirty="0" err="1" smtClean="0"/>
-              <a:t>svs</a:t>
-            </a:r>
-            <a:r>
-              <a:rPr lang="en-US" sz="1800" dirty="0" smtClean="0"/>
-              <a:t>-weather</a:t>
-            </a:r>
             <a:endParaRPr lang="en-US" sz="1800" dirty="0"/>
           </a:p>
         </p:txBody>
@@ -22019,17 +22008,6 @@
               <a:rPr lang="en-US" dirty="0" smtClean="0"/>
               <a:t>Calculator</a:t>
             </a:r>
-            <a:br>
-              <a:rPr lang="en-US" dirty="0" smtClean="0"/>
-            </a:br>
-            <a:r>
-              <a:rPr lang="en-US" sz="1800" dirty="0" err="1" smtClean="0"/>
-              <a:t>svs</a:t>
-            </a:r>
-            <a:r>
-              <a:rPr lang="en-US" sz="1800" dirty="0" smtClean="0"/>
-              <a:t>-investment-calculator</a:t>
-            </a:r>
             <a:endParaRPr lang="en-US" sz="1800" dirty="0"/>
           </a:p>
         </p:txBody>
@@ -22119,22 +22097,15 @@
           <a:p>
             <a:r>
               <a:rPr lang="en-US" dirty="0"/>
-              <a:t>Exercise: Quotient and </a:t>
-            </a:r>
-            <a:r>
-              <a:rPr lang="en-US" dirty="0" smtClean="0"/>
+              <a:t>Exercise: Quotient </a:t>
+            </a:r>
+            <a:r>
+              <a:rPr lang="en-US"/>
+              <a:t>and </a:t>
+            </a:r>
+            <a:r>
+              <a:rPr lang="en-US" smtClean="0"/>
               <a:t>Remainder</a:t>
-            </a:r>
-            <a:br>
-              <a:rPr lang="en-US" dirty="0" smtClean="0"/>
-            </a:br>
-            <a:r>
-              <a:rPr lang="en-US" sz="1800" dirty="0" err="1" smtClean="0"/>
-              <a:t>svs</a:t>
-            </a:r>
-            <a:r>
-              <a:rPr lang="en-US" sz="1800" dirty="0" smtClean="0"/>
-              <a:t>-quotient-and-remainder</a:t>
             </a:r>
             <a:endParaRPr lang="en-US" sz="1800" dirty="0"/>
           </a:p>

--- a/01. Java SE/Slides/03. Language elements.pptx
+++ b/01. Java SE/Slides/03. Language elements.pptx
@@ -238,7 +238,7 @@
           <a:p>
             <a:fld id="{59041DB8-B66F-4DC8-A96E-33677E0F90FF}" type="datetimeFigureOut">
               <a:rPr lang="en-US" smtClean="0"/>
-              <a:t>3/8/2015</a:t>
+              <a:t>3/10/2015</a:t>
             </a:fld>
             <a:endParaRPr lang="en-US"/>
           </a:p>
@@ -403,7 +403,7 @@
           <a:p>
             <a:fld id="{DEB49C4A-65AC-492D-9701-81B46C3AD0E4}" type="datetimeFigureOut">
               <a:rPr lang="en-US" smtClean="0"/>
-              <a:t>3/8/2015</a:t>
+              <a:t>3/10/2015</a:t>
             </a:fld>
             <a:endParaRPr lang="en-US"/>
           </a:p>
@@ -4925,7 +4925,7 @@
           <a:p>
             <a:fld id="{384A29A4-78C8-47AB-BA06-22CB45938951}" type="datetime1">
               <a:rPr lang="en-US" smtClean="0"/>
-              <a:t>3/8/2015</a:t>
+              <a:t>3/10/2015</a:t>
             </a:fld>
             <a:endParaRPr lang="en-US"/>
           </a:p>
@@ -5120,7 +5120,7 @@
           <a:p>
             <a:fld id="{E1ED4ACF-2D82-46F2-A8E9-23963AA34E86}" type="datetime1">
               <a:rPr lang="en-US" smtClean="0"/>
-              <a:t>3/8/2015</a:t>
+              <a:t>3/10/2015</a:t>
             </a:fld>
             <a:endParaRPr lang="en-US"/>
           </a:p>
@@ -5313,7 +5313,7 @@
           <a:p>
             <a:fld id="{AE374B5B-21A0-4192-BF4C-38187F1A68D8}" type="datetime1">
               <a:rPr lang="en-US" smtClean="0"/>
-              <a:t>3/8/2015</a:t>
+              <a:t>3/10/2015</a:t>
             </a:fld>
             <a:endParaRPr lang="en-US"/>
           </a:p>
@@ -5504,7 +5504,7 @@
           <a:p>
             <a:fld id="{AE374B5B-21A0-4192-BF4C-38187F1A68D8}" type="datetime1">
               <a:rPr lang="en-US" smtClean="0"/>
-              <a:t>3/8/2015</a:t>
+              <a:t>3/10/2015</a:t>
             </a:fld>
             <a:endParaRPr lang="en-US"/>
           </a:p>
@@ -7802,7 +7802,7 @@
           <a:p>
             <a:fld id="{33B5CF7C-B333-48E1-A4A6-83A3C8B73AC0}" type="datetime1">
               <a:rPr lang="en-US" smtClean="0"/>
-              <a:t>3/8/2015</a:t>
+              <a:t>3/10/2015</a:t>
             </a:fld>
             <a:endParaRPr lang="en-US"/>
           </a:p>
@@ -8257,7 +8257,7 @@
           <a:p>
             <a:fld id="{AE320762-5CBF-4210-AB54-376B091119F8}" type="datetime1">
               <a:rPr lang="en-US" smtClean="0"/>
-              <a:t>3/8/2015</a:t>
+              <a:t>3/10/2015</a:t>
             </a:fld>
             <a:endParaRPr lang="en-US"/>
           </a:p>
@@ -8390,7 +8390,7 @@
           <a:p>
             <a:fld id="{7F0DB371-BF5F-4058-A212-1A908E4D2674}" type="datetime1">
               <a:rPr lang="en-US" smtClean="0"/>
-              <a:t>3/8/2015</a:t>
+              <a:t>3/10/2015</a:t>
             </a:fld>
             <a:endParaRPr lang="en-US"/>
           </a:p>
@@ -10323,7 +10323,7 @@
           <a:p>
             <a:fld id="{60A4083B-90AA-48CF-BAD5-00AA24D7F288}" type="datetime1">
               <a:rPr lang="en-US" smtClean="0"/>
-              <a:t>3/8/2015</a:t>
+              <a:t>3/10/2015</a:t>
             </a:fld>
             <a:endParaRPr lang="en-US"/>
           </a:p>
@@ -14578,7 +14578,7 @@
           <a:p>
             <a:fld id="{B51B2453-8663-4C69-AF73-9FD7B1DEC5D0}" type="datetime1">
               <a:rPr lang="en-US" smtClean="0"/>
-              <a:t>3/8/2015</a:t>
+              <a:t>3/10/2015</a:t>
             </a:fld>
             <a:endParaRPr lang="en-US"/>
           </a:p>
@@ -17919,11 +17919,7 @@
           <a:p>
             <a:r>
               <a:rPr lang="en-US" dirty="0" smtClean="0"/>
-              <a:t>Example: </a:t>
-            </a:r>
-            <a:r>
-              <a:rPr lang="en-US" dirty="0" smtClean="0"/>
-              <a:t>Weather</a:t>
+              <a:t>Example: Weather</a:t>
             </a:r>
             <a:endParaRPr lang="en-US" sz="1800" dirty="0"/>
           </a:p>
@@ -22002,11 +21998,11 @@
           <a:p>
             <a:r>
               <a:rPr lang="en-US" dirty="0" smtClean="0"/>
-              <a:t>Exercise: Investment </a:t>
-            </a:r>
-            <a:r>
-              <a:rPr lang="en-US" dirty="0" smtClean="0"/>
-              <a:t>Calculator</a:t>
+              <a:t>Exercise: </a:t>
+            </a:r>
+            <a:r>
+              <a:rPr lang="en-US" dirty="0" err="1" smtClean="0"/>
+              <a:t>InvestmentCalculator</a:t>
             </a:r>
             <a:endParaRPr lang="en-US" sz="1800" dirty="0"/>
           </a:p>
@@ -22097,15 +22093,11 @@
           <a:p>
             <a:r>
               <a:rPr lang="en-US" dirty="0"/>
-              <a:t>Exercise: Quotient </a:t>
-            </a:r>
-            <a:r>
-              <a:rPr lang="en-US"/>
-              <a:t>and </a:t>
-            </a:r>
-            <a:r>
-              <a:rPr lang="en-US" smtClean="0"/>
-              <a:t>Remainder</a:t>
+              <a:t>Exercise: </a:t>
+            </a:r>
+            <a:r>
+              <a:rPr lang="en-US" dirty="0" err="1" smtClean="0"/>
+              <a:t>QuotientAndRemainder</a:t>
             </a:r>
             <a:endParaRPr lang="en-US" sz="1800" dirty="0"/>
           </a:p>
